--- a/Presentation/Luis/Luis's Slides Diabetes Prediction (1).pptx
+++ b/Presentation/Luis/Luis's Slides Diabetes Prediction (1).pptx
@@ -5,30 +5,28 @@
     <p:sldMasterId id="2147483683" r:id="rId1"/>
   </p:sldMasterIdLst>
   <p:notesMasterIdLst>
-    <p:notesMasterId r:id="rId8"/>
+    <p:notesMasterId r:id="rId6"/>
   </p:notesMasterIdLst>
   <p:sldIdLst>
     <p:sldId id="261" r:id="rId2"/>
     <p:sldId id="262" r:id="rId3"/>
-    <p:sldId id="305" r:id="rId4"/>
-    <p:sldId id="306" r:id="rId5"/>
-    <p:sldId id="307" r:id="rId6"/>
-    <p:sldId id="288" r:id="rId7"/>
+    <p:sldId id="306" r:id="rId4"/>
+    <p:sldId id="288" r:id="rId5"/>
   </p:sldIdLst>
   <p:sldSz cx="9144000" cy="5143500" type="screen16x9"/>
   <p:notesSz cx="6858000" cy="9144000"/>
   <p:embeddedFontLst>
     <p:embeddedFont>
       <p:font typeface="Montserrat" panose="00000500000000000000" pitchFamily="2" charset="0"/>
-      <p:regular r:id="rId9"/>
-      <p:bold r:id="rId10"/>
-      <p:italic r:id="rId11"/>
-      <p:boldItalic r:id="rId12"/>
+      <p:regular r:id="rId7"/>
+      <p:bold r:id="rId8"/>
+      <p:italic r:id="rId9"/>
+      <p:boldItalic r:id="rId10"/>
     </p:embeddedFont>
     <p:embeddedFont>
       <p:font typeface="Montserrat ExtraBold" panose="00000900000000000000" pitchFamily="2" charset="0"/>
-      <p:bold r:id="rId13"/>
-      <p:boldItalic r:id="rId14"/>
+      <p:bold r:id="rId11"/>
+      <p:boldItalic r:id="rId12"/>
     </p:embeddedFont>
   </p:embeddedFontLst>
   <p:defaultTextStyle>
@@ -268,12 +266,71 @@
 </p:presentation>
 </file>
 
-<file path=ppt/revisionInfo.xml><?xml version="1.0" encoding="utf-8"?>
-<p1510:revInfo xmlns:a="http://schemas.openxmlformats.org/drawingml/2006/main" xmlns:r="http://schemas.openxmlformats.org/officeDocument/2006/relationships" xmlns:p1510="http://schemas.microsoft.com/office/powerpoint/2015/10/main">
-  <p1510:revLst>
-    <p1510:client id="{6A082551-F6BB-4487-8672-6FDF45DD35F9}" v="6" dt="2024-02-28T02:10:57.806"/>
-  </p1510:revLst>
-</p1510:revInfo>
+<file path=ppt/changesInfos/changesInfo1.xml><?xml version="1.0" encoding="utf-8"?>
+<pc:chgInfo xmlns:a="http://schemas.openxmlformats.org/drawingml/2006/main" xmlns:r="http://schemas.openxmlformats.org/officeDocument/2006/relationships" xmlns:ac="http://schemas.microsoft.com/office/drawing/2013/main/command" xmlns:pc="http://schemas.microsoft.com/office/powerpoint/2013/main/command">
+  <pc:docChgLst>
+    <pc:chgData name="Luis Rivera Jr." userId="92f036693c60bda6" providerId="LiveId" clId="{4DAD2D48-3757-4E98-9B2F-A337230DB34C}"/>
+    <pc:docChg chg="delSld modSld sldOrd">
+      <pc:chgData name="Luis Rivera Jr." userId="92f036693c60bda6" providerId="LiveId" clId="{4DAD2D48-3757-4E98-9B2F-A337230DB34C}" dt="2024-02-29T13:58:27.987" v="23" actId="2696"/>
+      <pc:docMkLst>
+        <pc:docMk/>
+      </pc:docMkLst>
+      <pc:sldChg chg="modSp del mod">
+        <pc:chgData name="Luis Rivera Jr." userId="92f036693c60bda6" providerId="LiveId" clId="{4DAD2D48-3757-4E98-9B2F-A337230DB34C}" dt="2024-02-29T13:58:27.987" v="23" actId="2696"/>
+        <pc:sldMkLst>
+          <pc:docMk/>
+          <pc:sldMk cId="4129899041" sldId="305"/>
+        </pc:sldMkLst>
+        <pc:spChg chg="mod">
+          <ac:chgData name="Luis Rivera Jr." userId="92f036693c60bda6" providerId="LiveId" clId="{4DAD2D48-3757-4E98-9B2F-A337230DB34C}" dt="2024-02-29T13:56:50.032" v="12" actId="6549"/>
+          <ac:spMkLst>
+            <pc:docMk/>
+            <pc:sldMk cId="4129899041" sldId="305"/>
+            <ac:spMk id="2" creationId="{09112BDD-17B8-5F28-5B5E-13C4E1950D58}"/>
+          </ac:spMkLst>
+        </pc:spChg>
+        <pc:spChg chg="mod">
+          <ac:chgData name="Luis Rivera Jr." userId="92f036693c60bda6" providerId="LiveId" clId="{4DAD2D48-3757-4E98-9B2F-A337230DB34C}" dt="2024-02-29T13:56:53.894" v="13" actId="6549"/>
+          <ac:spMkLst>
+            <pc:docMk/>
+            <pc:sldMk cId="4129899041" sldId="305"/>
+            <ac:spMk id="3" creationId="{1D8F3139-5E6F-C15C-9523-9B6C47BBC943}"/>
+          </ac:spMkLst>
+        </pc:spChg>
+      </pc:sldChg>
+      <pc:sldChg chg="ord">
+        <pc:chgData name="Luis Rivera Jr." userId="92f036693c60bda6" providerId="LiveId" clId="{4DAD2D48-3757-4E98-9B2F-A337230DB34C}" dt="2024-02-29T13:57:26.583" v="17"/>
+        <pc:sldMkLst>
+          <pc:docMk/>
+          <pc:sldMk cId="3627970834" sldId="306"/>
+        </pc:sldMkLst>
+      </pc:sldChg>
+      <pc:sldChg chg="modSp del mod ord">
+        <pc:chgData name="Luis Rivera Jr." userId="92f036693c60bda6" providerId="LiveId" clId="{4DAD2D48-3757-4E98-9B2F-A337230DB34C}" dt="2024-02-29T13:58:25.579" v="22" actId="2696"/>
+        <pc:sldMkLst>
+          <pc:docMk/>
+          <pc:sldMk cId="597308155" sldId="307"/>
+        </pc:sldMkLst>
+        <pc:spChg chg="mod">
+          <ac:chgData name="Luis Rivera Jr." userId="92f036693c60bda6" providerId="LiveId" clId="{4DAD2D48-3757-4E98-9B2F-A337230DB34C}" dt="2024-02-29T13:58:18.364" v="21" actId="6549"/>
+          <ac:spMkLst>
+            <pc:docMk/>
+            <pc:sldMk cId="597308155" sldId="307"/>
+            <ac:spMk id="2" creationId="{84579F30-A52D-33B8-61F8-AE539D43EA22}"/>
+          </ac:spMkLst>
+        </pc:spChg>
+        <pc:spChg chg="mod">
+          <ac:chgData name="Luis Rivera Jr." userId="92f036693c60bda6" providerId="LiveId" clId="{4DAD2D48-3757-4E98-9B2F-A337230DB34C}" dt="2024-02-29T13:58:15.495" v="20" actId="6549"/>
+          <ac:spMkLst>
+            <pc:docMk/>
+            <pc:sldMk cId="597308155" sldId="307"/>
+            <ac:spMk id="5" creationId="{F5455DEB-F390-3B9D-A335-FC9EBDA3FD14}"/>
+          </ac:spMkLst>
+        </pc:spChg>
+      </pc:sldChg>
+    </pc:docChg>
+  </pc:docChgLst>
+</pc:chgInfo>
 </file>
 
 <file path=ppt/notesMasters/notesMaster1.xml><?xml version="1.0" encoding="utf-8"?>
@@ -4858,425 +4915,6 @@
           <p:cNvPr id="2" name="Title 1">
             <a:extLst>
               <a:ext uri="{FF2B5EF4-FFF2-40B4-BE49-F238E27FC236}">
-                <a16:creationId xmlns:a16="http://schemas.microsoft.com/office/drawing/2014/main" id="{09112BDD-17B8-5F28-5B5E-13C4E1950D58}"/>
-              </a:ext>
-            </a:extLst>
-          </p:cNvPr>
-          <p:cNvSpPr>
-            <a:spLocks noGrp="1"/>
-          </p:cNvSpPr>
-          <p:nvPr>
-            <p:ph type="title"/>
-          </p:nvPr>
-        </p:nvSpPr>
-        <p:spPr/>
-        <p:txBody>
-          <a:bodyPr/>
-          <a:lstStyle/>
-          <a:p>
-            <a:r>
-              <a:rPr lang="en-US" sz="2800" kern="100" dirty="0">
-                <a:effectLst/>
-                <a:latin typeface="Calibri" panose="020F0502020204030204" pitchFamily="34" charset="0"/>
-                <a:ea typeface="Calibri" panose="020F0502020204030204" pitchFamily="34" charset="0"/>
-                <a:cs typeface="Calibri" panose="020F0502020204030204" pitchFamily="34" charset="0"/>
-              </a:rPr>
-              <a:t>How does the body convert food into energy?</a:t>
-            </a:r>
-            <a:br>
-              <a:rPr lang="en-US" sz="2800" kern="100" dirty="0">
-                <a:effectLst/>
-                <a:latin typeface="Calibri" panose="020F0502020204030204" pitchFamily="34" charset="0"/>
-                <a:ea typeface="Calibri" panose="020F0502020204030204" pitchFamily="34" charset="0"/>
-                <a:cs typeface="Times New Roman" panose="02020603050405020304" pitchFamily="18" charset="0"/>
-              </a:rPr>
-            </a:br>
-            <a:endParaRPr lang="en-US" sz="2800" dirty="0"/>
-          </a:p>
-        </p:txBody>
-      </p:sp>
-      <p:sp>
-        <p:nvSpPr>
-          <p:cNvPr id="3" name="Text Placeholder 2">
-            <a:extLst>
-              <a:ext uri="{FF2B5EF4-FFF2-40B4-BE49-F238E27FC236}">
-                <a16:creationId xmlns:a16="http://schemas.microsoft.com/office/drawing/2014/main" id="{1D8F3139-5E6F-C15C-9523-9B6C47BBC943}"/>
-              </a:ext>
-            </a:extLst>
-          </p:cNvPr>
-          <p:cNvSpPr>
-            <a:spLocks noGrp="1"/>
-          </p:cNvSpPr>
-          <p:nvPr>
-            <p:ph type="body" idx="1"/>
-          </p:nvPr>
-        </p:nvSpPr>
-        <p:spPr>
-          <a:xfrm>
-            <a:off x="938499" y="1530626"/>
-            <a:ext cx="7835765" cy="3315694"/>
-          </a:xfrm>
-        </p:spPr>
-        <p:txBody>
-          <a:bodyPr/>
-          <a:lstStyle/>
-          <a:p>
-            <a:pPr marL="342900" marR="0" lvl="0" indent="-342900">
-              <a:lnSpc>
-                <a:spcPct val="107000"/>
-              </a:lnSpc>
-              <a:spcBef>
-                <a:spcPts val="0"/>
-              </a:spcBef>
-              <a:spcAft>
-                <a:spcPts val="0"/>
-              </a:spcAft>
-              <a:buFont typeface="Symbol" panose="05050102010706020507" pitchFamily="18" charset="2"/>
-              <a:buChar char=""/>
-            </a:pPr>
-            <a:r>
-              <a:rPr lang="en-US" sz="1600" kern="100" dirty="0">
-                <a:effectLst/>
-                <a:latin typeface="Calibri" panose="020F0502020204030204" pitchFamily="34" charset="0"/>
-                <a:ea typeface="Calibri" panose="020F0502020204030204" pitchFamily="34" charset="0"/>
-                <a:cs typeface="Calibri" panose="020F0502020204030204" pitchFamily="34" charset="0"/>
-              </a:rPr>
-              <a:t>The body breaks down most of the food one consumes into glucose (sugar)</a:t>
-            </a:r>
-            <a:endParaRPr lang="en-US" sz="1600" kern="100" dirty="0">
-              <a:effectLst/>
-              <a:latin typeface="Calibri" panose="020F0502020204030204" pitchFamily="34" charset="0"/>
-              <a:ea typeface="Calibri" panose="020F0502020204030204" pitchFamily="34" charset="0"/>
-              <a:cs typeface="Times New Roman" panose="02020603050405020304" pitchFamily="18" charset="0"/>
-            </a:endParaRPr>
-          </a:p>
-          <a:p>
-            <a:pPr marL="342900" marR="0" lvl="0" indent="-342900">
-              <a:lnSpc>
-                <a:spcPct val="107000"/>
-              </a:lnSpc>
-              <a:spcBef>
-                <a:spcPts val="0"/>
-              </a:spcBef>
-              <a:spcAft>
-                <a:spcPts val="0"/>
-              </a:spcAft>
-              <a:buFont typeface="Symbol" panose="05050102010706020507" pitchFamily="18" charset="2"/>
-              <a:buChar char=""/>
-            </a:pPr>
-            <a:r>
-              <a:rPr lang="en-US" sz="1600" kern="100" dirty="0">
-                <a:effectLst/>
-                <a:latin typeface="Calibri" panose="020F0502020204030204" pitchFamily="34" charset="0"/>
-                <a:ea typeface="Calibri" panose="020F0502020204030204" pitchFamily="34" charset="0"/>
-                <a:cs typeface="Calibri" panose="020F0502020204030204" pitchFamily="34" charset="0"/>
-              </a:rPr>
-              <a:t>The glucose is then released into the bloodstream to provide a constant supply of energy to various tissues and organs</a:t>
-            </a:r>
-            <a:endParaRPr lang="en-US" sz="1600" kern="100" dirty="0">
-              <a:effectLst/>
-              <a:latin typeface="Calibri" panose="020F0502020204030204" pitchFamily="34" charset="0"/>
-              <a:ea typeface="Calibri" panose="020F0502020204030204" pitchFamily="34" charset="0"/>
-              <a:cs typeface="Times New Roman" panose="02020603050405020304" pitchFamily="18" charset="0"/>
-            </a:endParaRPr>
-          </a:p>
-          <a:p>
-            <a:pPr marL="342900" marR="0" lvl="0" indent="-342900">
-              <a:lnSpc>
-                <a:spcPct val="107000"/>
-              </a:lnSpc>
-              <a:spcBef>
-                <a:spcPts val="0"/>
-              </a:spcBef>
-              <a:spcAft>
-                <a:spcPts val="0"/>
-              </a:spcAft>
-              <a:buFont typeface="Symbol" panose="05050102010706020507" pitchFamily="18" charset="2"/>
-              <a:buChar char=""/>
-            </a:pPr>
-            <a:r>
-              <a:rPr lang="en-US" sz="1600" i="1" kern="100" dirty="0">
-                <a:effectLst/>
-                <a:latin typeface="Calibri" panose="020F0502020204030204" pitchFamily="34" charset="0"/>
-                <a:ea typeface="Calibri" panose="020F0502020204030204" pitchFamily="34" charset="0"/>
-                <a:cs typeface="Calibri" panose="020F0502020204030204" pitchFamily="34" charset="0"/>
-              </a:rPr>
-              <a:t>Insulin</a:t>
-            </a:r>
-            <a:r>
-              <a:rPr lang="en-US" sz="1600" kern="100" dirty="0">
-                <a:effectLst/>
-                <a:latin typeface="Calibri" panose="020F0502020204030204" pitchFamily="34" charset="0"/>
-                <a:ea typeface="Calibri" panose="020F0502020204030204" pitchFamily="34" charset="0"/>
-                <a:cs typeface="Calibri" panose="020F0502020204030204" pitchFamily="34" charset="0"/>
-              </a:rPr>
-              <a:t>:</a:t>
-            </a:r>
-            <a:endParaRPr lang="en-US" sz="1600" kern="100" dirty="0">
-              <a:effectLst/>
-              <a:latin typeface="Calibri" panose="020F0502020204030204" pitchFamily="34" charset="0"/>
-              <a:ea typeface="Calibri" panose="020F0502020204030204" pitchFamily="34" charset="0"/>
-              <a:cs typeface="Times New Roman" panose="02020603050405020304" pitchFamily="18" charset="0"/>
-            </a:endParaRPr>
-          </a:p>
-          <a:p>
-            <a:pPr marL="742950" marR="0" lvl="1" indent="-285750">
-              <a:lnSpc>
-                <a:spcPct val="107000"/>
-              </a:lnSpc>
-              <a:spcBef>
-                <a:spcPts val="0"/>
-              </a:spcBef>
-              <a:spcAft>
-                <a:spcPts val="0"/>
-              </a:spcAft>
-              <a:buFont typeface="Courier New" panose="02070309020205020404" pitchFamily="49" charset="0"/>
-              <a:buChar char="o"/>
-            </a:pPr>
-            <a:r>
-              <a:rPr lang="en-US" sz="1600" kern="100" dirty="0">
-                <a:effectLst/>
-                <a:latin typeface="Calibri" panose="020F0502020204030204" pitchFamily="34" charset="0"/>
-                <a:ea typeface="Calibri" panose="020F0502020204030204" pitchFamily="34" charset="0"/>
-                <a:cs typeface="Calibri" panose="020F0502020204030204" pitchFamily="34" charset="0"/>
-              </a:rPr>
-              <a:t>Acts as a ‘key’ that allows the sugar into one’s body’s cells for the use of energy</a:t>
-            </a:r>
-            <a:endParaRPr lang="en-US" sz="1600" kern="100" dirty="0">
-              <a:effectLst/>
-              <a:latin typeface="Calibri" panose="020F0502020204030204" pitchFamily="34" charset="0"/>
-              <a:ea typeface="Calibri" panose="020F0502020204030204" pitchFamily="34" charset="0"/>
-              <a:cs typeface="Times New Roman" panose="02020603050405020304" pitchFamily="18" charset="0"/>
-            </a:endParaRPr>
-          </a:p>
-          <a:p>
-            <a:pPr marL="342900" marR="0" lvl="0" indent="-342900">
-              <a:lnSpc>
-                <a:spcPct val="107000"/>
-              </a:lnSpc>
-              <a:spcBef>
-                <a:spcPts val="0"/>
-              </a:spcBef>
-              <a:spcAft>
-                <a:spcPts val="0"/>
-              </a:spcAft>
-              <a:buFont typeface="Symbol" panose="05050102010706020507" pitchFamily="18" charset="2"/>
-              <a:buChar char=""/>
-            </a:pPr>
-            <a:r>
-              <a:rPr lang="en-US" sz="1600" kern="100" dirty="0">
-                <a:effectLst/>
-                <a:latin typeface="Calibri" panose="020F0502020204030204" pitchFamily="34" charset="0"/>
-                <a:ea typeface="Calibri" panose="020F0502020204030204" pitchFamily="34" charset="0"/>
-                <a:cs typeface="Calibri" panose="020F0502020204030204" pitchFamily="34" charset="0"/>
-              </a:rPr>
-              <a:t>Cellular respiration:</a:t>
-            </a:r>
-            <a:endParaRPr lang="en-US" sz="1600" kern="100" dirty="0">
-              <a:effectLst/>
-              <a:latin typeface="Calibri" panose="020F0502020204030204" pitchFamily="34" charset="0"/>
-              <a:ea typeface="Calibri" panose="020F0502020204030204" pitchFamily="34" charset="0"/>
-              <a:cs typeface="Times New Roman" panose="02020603050405020304" pitchFamily="18" charset="0"/>
-            </a:endParaRPr>
-          </a:p>
-          <a:p>
-            <a:pPr marL="742950" marR="0" lvl="1" indent="-285750">
-              <a:lnSpc>
-                <a:spcPct val="107000"/>
-              </a:lnSpc>
-              <a:spcBef>
-                <a:spcPts val="0"/>
-              </a:spcBef>
-              <a:spcAft>
-                <a:spcPts val="0"/>
-              </a:spcAft>
-              <a:buFont typeface="Courier New" panose="02070309020205020404" pitchFamily="49" charset="0"/>
-              <a:buChar char="o"/>
-            </a:pPr>
-            <a:r>
-              <a:rPr lang="en-US" sz="1600" kern="100" dirty="0">
-                <a:effectLst/>
-                <a:latin typeface="Calibri" panose="020F0502020204030204" pitchFamily="34" charset="0"/>
-                <a:ea typeface="Calibri" panose="020F0502020204030204" pitchFamily="34" charset="0"/>
-                <a:cs typeface="Calibri" panose="020F0502020204030204" pitchFamily="34" charset="0"/>
-              </a:rPr>
-              <a:t>series of chemical reactions that occur once inside of the cells</a:t>
-            </a:r>
-            <a:endParaRPr lang="en-US" sz="1600" kern="100" dirty="0">
-              <a:effectLst/>
-              <a:latin typeface="Calibri" panose="020F0502020204030204" pitchFamily="34" charset="0"/>
-              <a:ea typeface="Calibri" panose="020F0502020204030204" pitchFamily="34" charset="0"/>
-              <a:cs typeface="Times New Roman" panose="02020603050405020304" pitchFamily="18" charset="0"/>
-            </a:endParaRPr>
-          </a:p>
-          <a:p>
-            <a:pPr marL="342900" marR="0" lvl="0" indent="-342900">
-              <a:lnSpc>
-                <a:spcPct val="107000"/>
-              </a:lnSpc>
-              <a:spcBef>
-                <a:spcPts val="0"/>
-              </a:spcBef>
-              <a:spcAft>
-                <a:spcPts val="0"/>
-              </a:spcAft>
-              <a:buFont typeface="Symbol" panose="05050102010706020507" pitchFamily="18" charset="2"/>
-              <a:buChar char=""/>
-            </a:pPr>
-            <a:r>
-              <a:rPr lang="en-US" sz="1600" kern="100" dirty="0">
-                <a:effectLst/>
-                <a:latin typeface="Calibri" panose="020F0502020204030204" pitchFamily="34" charset="0"/>
-                <a:ea typeface="Calibri" panose="020F0502020204030204" pitchFamily="34" charset="0"/>
-                <a:cs typeface="Calibri" panose="020F0502020204030204" pitchFamily="34" charset="0"/>
-              </a:rPr>
-              <a:t>Result of cellular respiration:</a:t>
-            </a:r>
-            <a:endParaRPr lang="en-US" sz="1600" kern="100" dirty="0">
-              <a:effectLst/>
-              <a:latin typeface="Calibri" panose="020F0502020204030204" pitchFamily="34" charset="0"/>
-              <a:ea typeface="Calibri" panose="020F0502020204030204" pitchFamily="34" charset="0"/>
-              <a:cs typeface="Times New Roman" panose="02020603050405020304" pitchFamily="18" charset="0"/>
-            </a:endParaRPr>
-          </a:p>
-          <a:p>
-            <a:pPr marL="742950" marR="0" lvl="1" indent="-285750">
-              <a:lnSpc>
-                <a:spcPct val="107000"/>
-              </a:lnSpc>
-              <a:spcBef>
-                <a:spcPts val="0"/>
-              </a:spcBef>
-              <a:spcAft>
-                <a:spcPts val="0"/>
-              </a:spcAft>
-              <a:buFont typeface="Courier New" panose="02070309020205020404" pitchFamily="49" charset="0"/>
-              <a:buChar char="o"/>
-            </a:pPr>
-            <a:r>
-              <a:rPr lang="en-US" sz="1600" kern="100" dirty="0">
-                <a:effectLst/>
-                <a:latin typeface="Calibri" panose="020F0502020204030204" pitchFamily="34" charset="0"/>
-                <a:ea typeface="Calibri" panose="020F0502020204030204" pitchFamily="34" charset="0"/>
-                <a:cs typeface="Calibri" panose="020F0502020204030204" pitchFamily="34" charset="0"/>
-              </a:rPr>
-              <a:t>Adenosine triphosphate (ATP):</a:t>
-            </a:r>
-            <a:endParaRPr lang="en-US" sz="1600" kern="100" dirty="0">
-              <a:effectLst/>
-              <a:latin typeface="Calibri" panose="020F0502020204030204" pitchFamily="34" charset="0"/>
-              <a:ea typeface="Calibri" panose="020F0502020204030204" pitchFamily="34" charset="0"/>
-              <a:cs typeface="Times New Roman" panose="02020603050405020304" pitchFamily="18" charset="0"/>
-            </a:endParaRPr>
-          </a:p>
-          <a:p>
-            <a:pPr marL="1143000" marR="0" lvl="2" indent="-228600">
-              <a:lnSpc>
-                <a:spcPct val="107000"/>
-              </a:lnSpc>
-              <a:spcBef>
-                <a:spcPts val="0"/>
-              </a:spcBef>
-              <a:spcAft>
-                <a:spcPts val="800"/>
-              </a:spcAft>
-              <a:buFont typeface="Wingdings" panose="05000000000000000000" pitchFamily="2" charset="2"/>
-              <a:buChar char=""/>
-            </a:pPr>
-            <a:r>
-              <a:rPr lang="en-US" sz="1600" kern="100" dirty="0">
-                <a:effectLst/>
-                <a:latin typeface="Calibri" panose="020F0502020204030204" pitchFamily="34" charset="0"/>
-                <a:ea typeface="Calibri" panose="020F0502020204030204" pitchFamily="34" charset="0"/>
-                <a:cs typeface="Calibri" panose="020F0502020204030204" pitchFamily="34" charset="0"/>
-              </a:rPr>
-              <a:t>Considered the ‘</a:t>
-            </a:r>
-            <a:r>
-              <a:rPr lang="en-US" sz="1600" i="1" kern="100" dirty="0">
-                <a:effectLst/>
-                <a:latin typeface="Calibri" panose="020F0502020204030204" pitchFamily="34" charset="0"/>
-                <a:ea typeface="Calibri" panose="020F0502020204030204" pitchFamily="34" charset="0"/>
-                <a:cs typeface="Calibri" panose="020F0502020204030204" pitchFamily="34" charset="0"/>
-              </a:rPr>
-              <a:t>energy currency’</a:t>
-            </a:r>
-            <a:r>
-              <a:rPr lang="en-US" sz="1600" kern="100" dirty="0">
-                <a:effectLst/>
-                <a:latin typeface="Calibri" panose="020F0502020204030204" pitchFamily="34" charset="0"/>
-                <a:ea typeface="Calibri" panose="020F0502020204030204" pitchFamily="34" charset="0"/>
-                <a:cs typeface="Calibri" panose="020F0502020204030204" pitchFamily="34" charset="0"/>
-              </a:rPr>
-              <a:t> of cells</a:t>
-            </a:r>
-            <a:endParaRPr lang="en-US" sz="1600" kern="100" dirty="0">
-              <a:latin typeface="Calibri" panose="020F0502020204030204" pitchFamily="34" charset="0"/>
-              <a:ea typeface="Calibri" panose="020F0502020204030204" pitchFamily="34" charset="0"/>
-              <a:cs typeface="Times New Roman" panose="02020603050405020304" pitchFamily="18" charset="0"/>
-            </a:endParaRPr>
-          </a:p>
-          <a:p>
-            <a:pPr marL="1143000" marR="0" lvl="2" indent="-228600">
-              <a:lnSpc>
-                <a:spcPct val="107000"/>
-              </a:lnSpc>
-              <a:spcBef>
-                <a:spcPts val="0"/>
-              </a:spcBef>
-              <a:spcAft>
-                <a:spcPts val="800"/>
-              </a:spcAft>
-              <a:buFont typeface="Wingdings" panose="05000000000000000000" pitchFamily="2" charset="2"/>
-              <a:buChar char=""/>
-            </a:pPr>
-            <a:r>
-              <a:rPr lang="en-US" sz="1600" dirty="0">
-                <a:effectLst/>
-                <a:latin typeface="Calibri" panose="020F0502020204030204" pitchFamily="34" charset="0"/>
-                <a:ea typeface="Calibri" panose="020F0502020204030204" pitchFamily="34" charset="0"/>
-              </a:rPr>
-              <a:t>This is essential for cellular activities such as cell structure maintenance and muscle contraction</a:t>
-            </a:r>
-            <a:endParaRPr lang="en-US" sz="1600" dirty="0"/>
-          </a:p>
-        </p:txBody>
-      </p:sp>
-    </p:spTree>
-    <p:extLst>
-      <p:ext uri="{BB962C8B-B14F-4D97-AF65-F5344CB8AC3E}">
-        <p14:creationId xmlns:p14="http://schemas.microsoft.com/office/powerpoint/2010/main" val="4129899041"/>
-      </p:ext>
-    </p:extLst>
-  </p:cSld>
-  <p:clrMapOvr>
-    <a:masterClrMapping/>
-  </p:clrMapOvr>
-</p:sld>
-</file>
-
-<file path=ppt/slides/slide4.xml><?xml version="1.0" encoding="utf-8"?>
-<p:sld xmlns:a="http://schemas.openxmlformats.org/drawingml/2006/main" xmlns:r="http://schemas.openxmlformats.org/officeDocument/2006/relationships" xmlns:p="http://schemas.openxmlformats.org/presentationml/2006/main">
-  <p:cSld>
-    <p:spTree>
-      <p:nvGrpSpPr>
-        <p:cNvPr id="1" name=""/>
-        <p:cNvGrpSpPr/>
-        <p:nvPr/>
-      </p:nvGrpSpPr>
-      <p:grpSpPr>
-        <a:xfrm>
-          <a:off x="0" y="0"/>
-          <a:ext cx="0" cy="0"/>
-          <a:chOff x="0" y="0"/>
-          <a:chExt cx="0" cy="0"/>
-        </a:xfrm>
-      </p:grpSpPr>
-      <p:sp>
-        <p:nvSpPr>
-          <p:cNvPr id="2" name="Title 1">
-            <a:extLst>
-              <a:ext uri="{FF2B5EF4-FFF2-40B4-BE49-F238E27FC236}">
                 <a16:creationId xmlns:a16="http://schemas.microsoft.com/office/drawing/2014/main" id="{741FD38A-8616-88AC-9A3B-14AB4638B8CB}"/>
               </a:ext>
             </a:extLst>
@@ -5503,509 +5141,7 @@
 </p:sld>
 </file>
 
-<file path=ppt/slides/slide5.xml><?xml version="1.0" encoding="utf-8"?>
-<p:sld xmlns:a="http://schemas.openxmlformats.org/drawingml/2006/main" xmlns:r="http://schemas.openxmlformats.org/officeDocument/2006/relationships" xmlns:p="http://schemas.openxmlformats.org/presentationml/2006/main">
-  <p:cSld>
-    <p:spTree>
-      <p:nvGrpSpPr>
-        <p:cNvPr id="1" name=""/>
-        <p:cNvGrpSpPr/>
-        <p:nvPr/>
-      </p:nvGrpSpPr>
-      <p:grpSpPr>
-        <a:xfrm>
-          <a:off x="0" y="0"/>
-          <a:ext cx="0" cy="0"/>
-          <a:chOff x="0" y="0"/>
-          <a:chExt cx="0" cy="0"/>
-        </a:xfrm>
-      </p:grpSpPr>
-      <p:sp>
-        <p:nvSpPr>
-          <p:cNvPr id="2" name="Title 1">
-            <a:extLst>
-              <a:ext uri="{FF2B5EF4-FFF2-40B4-BE49-F238E27FC236}">
-                <a16:creationId xmlns:a16="http://schemas.microsoft.com/office/drawing/2014/main" id="{84579F30-A52D-33B8-61F8-AE539D43EA22}"/>
-              </a:ext>
-            </a:extLst>
-          </p:cNvPr>
-          <p:cNvSpPr>
-            <a:spLocks noGrp="1"/>
-          </p:cNvSpPr>
-          <p:nvPr>
-            <p:ph type="title"/>
-          </p:nvPr>
-        </p:nvSpPr>
-        <p:spPr>
-          <a:xfrm>
-            <a:off x="938213" y="444500"/>
-            <a:ext cx="4629150" cy="684584"/>
-          </a:xfrm>
-        </p:spPr>
-        <p:txBody>
-          <a:bodyPr/>
-          <a:lstStyle/>
-          <a:p>
-            <a:r>
-              <a:rPr lang="en-US" dirty="0"/>
-              <a:t>Type 1 vs Type2:</a:t>
-            </a:r>
-            <a:br>
-              <a:rPr lang="en-US" dirty="0"/>
-            </a:br>
-            <a:endParaRPr lang="en-US" dirty="0"/>
-          </a:p>
-        </p:txBody>
-      </p:sp>
-      <p:sp>
-        <p:nvSpPr>
-          <p:cNvPr id="5" name="Text Placeholder 4">
-            <a:extLst>
-              <a:ext uri="{FF2B5EF4-FFF2-40B4-BE49-F238E27FC236}">
-                <a16:creationId xmlns:a16="http://schemas.microsoft.com/office/drawing/2014/main" id="{F5455DEB-F390-3B9D-A335-FC9EBDA3FD14}"/>
-              </a:ext>
-            </a:extLst>
-          </p:cNvPr>
-          <p:cNvSpPr>
-            <a:spLocks noGrp="1"/>
-          </p:cNvSpPr>
-          <p:nvPr>
-            <p:ph type="body" idx="1"/>
-          </p:nvPr>
-        </p:nvSpPr>
-        <p:spPr>
-          <a:xfrm>
-            <a:off x="938499" y="1129084"/>
-            <a:ext cx="7466029" cy="3896139"/>
-          </a:xfrm>
-        </p:spPr>
-        <p:txBody>
-          <a:bodyPr/>
-          <a:lstStyle/>
-          <a:p>
-            <a:pPr marL="342900" marR="0" lvl="0" indent="-342900">
-              <a:lnSpc>
-                <a:spcPct val="107000"/>
-              </a:lnSpc>
-              <a:spcBef>
-                <a:spcPts val="0"/>
-              </a:spcBef>
-              <a:spcAft>
-                <a:spcPts val="0"/>
-              </a:spcAft>
-              <a:buFont typeface="Symbol" panose="05050102010706020507" pitchFamily="18" charset="2"/>
-              <a:buChar char=""/>
-            </a:pPr>
-            <a:r>
-              <a:rPr lang="en-US" sz="1600" kern="100" dirty="0">
-                <a:effectLst/>
-                <a:latin typeface="Calibri" panose="020F0502020204030204" pitchFamily="34" charset="0"/>
-                <a:ea typeface="Calibri" panose="020F0502020204030204" pitchFamily="34" charset="0"/>
-                <a:cs typeface="Calibri" panose="020F0502020204030204" pitchFamily="34" charset="0"/>
-              </a:rPr>
-              <a:t>1:</a:t>
-            </a:r>
-            <a:endParaRPr lang="en-US" sz="1600" kern="100" dirty="0">
-              <a:effectLst/>
-              <a:latin typeface="Calibri" panose="020F0502020204030204" pitchFamily="34" charset="0"/>
-              <a:ea typeface="Calibri" panose="020F0502020204030204" pitchFamily="34" charset="0"/>
-              <a:cs typeface="Times New Roman" panose="02020603050405020304" pitchFamily="18" charset="0"/>
-            </a:endParaRPr>
-          </a:p>
-          <a:p>
-            <a:pPr marL="742950" marR="0" lvl="1" indent="-285750">
-              <a:lnSpc>
-                <a:spcPct val="107000"/>
-              </a:lnSpc>
-              <a:spcBef>
-                <a:spcPts val="0"/>
-              </a:spcBef>
-              <a:spcAft>
-                <a:spcPts val="0"/>
-              </a:spcAft>
-              <a:buFont typeface="Courier New" panose="02070309020205020404" pitchFamily="49" charset="0"/>
-              <a:buChar char="o"/>
-            </a:pPr>
-            <a:r>
-              <a:rPr lang="en-US" sz="1600" kern="100" dirty="0">
-                <a:effectLst/>
-                <a:latin typeface="Calibri" panose="020F0502020204030204" pitchFamily="34" charset="0"/>
-                <a:ea typeface="Calibri" panose="020F0502020204030204" pitchFamily="34" charset="0"/>
-                <a:cs typeface="Calibri" panose="020F0502020204030204" pitchFamily="34" charset="0"/>
-              </a:rPr>
-              <a:t>Theory:</a:t>
-            </a:r>
-            <a:endParaRPr lang="en-US" sz="1600" kern="100" dirty="0">
-              <a:effectLst/>
-              <a:latin typeface="Calibri" panose="020F0502020204030204" pitchFamily="34" charset="0"/>
-              <a:ea typeface="Calibri" panose="020F0502020204030204" pitchFamily="34" charset="0"/>
-              <a:cs typeface="Times New Roman" panose="02020603050405020304" pitchFamily="18" charset="0"/>
-            </a:endParaRPr>
-          </a:p>
-          <a:p>
-            <a:pPr marL="1143000" marR="0" lvl="2" indent="-228600">
-              <a:lnSpc>
-                <a:spcPct val="107000"/>
-              </a:lnSpc>
-              <a:spcBef>
-                <a:spcPts val="0"/>
-              </a:spcBef>
-              <a:spcAft>
-                <a:spcPts val="0"/>
-              </a:spcAft>
-              <a:buFont typeface="Wingdings" panose="05000000000000000000" pitchFamily="2" charset="2"/>
-              <a:buChar char=""/>
-            </a:pPr>
-            <a:r>
-              <a:rPr lang="en-US" sz="1600" kern="100" dirty="0">
-                <a:effectLst/>
-                <a:latin typeface="Calibri" panose="020F0502020204030204" pitchFamily="34" charset="0"/>
-                <a:ea typeface="Calibri" panose="020F0502020204030204" pitchFamily="34" charset="0"/>
-                <a:cs typeface="Calibri" panose="020F0502020204030204" pitchFamily="34" charset="0"/>
-              </a:rPr>
-              <a:t>Caused by an autoimmune response (body attacking self)</a:t>
-            </a:r>
-            <a:endParaRPr lang="en-US" sz="1600" kern="100" dirty="0">
-              <a:effectLst/>
-              <a:latin typeface="Calibri" panose="020F0502020204030204" pitchFamily="34" charset="0"/>
-              <a:ea typeface="Calibri" panose="020F0502020204030204" pitchFamily="34" charset="0"/>
-              <a:cs typeface="Times New Roman" panose="02020603050405020304" pitchFamily="18" charset="0"/>
-            </a:endParaRPr>
-          </a:p>
-          <a:p>
-            <a:pPr marL="742950" marR="0" lvl="1" indent="-285750">
-              <a:lnSpc>
-                <a:spcPct val="107000"/>
-              </a:lnSpc>
-              <a:spcBef>
-                <a:spcPts val="0"/>
-              </a:spcBef>
-              <a:spcAft>
-                <a:spcPts val="0"/>
-              </a:spcAft>
-              <a:buFont typeface="Courier New" panose="02070309020205020404" pitchFamily="49" charset="0"/>
-              <a:buChar char="o"/>
-            </a:pPr>
-            <a:r>
-              <a:rPr lang="en-US" sz="1600" kern="100" dirty="0">
-                <a:effectLst/>
-                <a:latin typeface="Calibri" panose="020F0502020204030204" pitchFamily="34" charset="0"/>
-                <a:ea typeface="Calibri" panose="020F0502020204030204" pitchFamily="34" charset="0"/>
-                <a:cs typeface="Calibri" panose="020F0502020204030204" pitchFamily="34" charset="0"/>
-              </a:rPr>
-              <a:t>Ceases the production of insulin</a:t>
-            </a:r>
-            <a:endParaRPr lang="en-US" sz="1600" kern="100" dirty="0">
-              <a:effectLst/>
-              <a:latin typeface="Calibri" panose="020F0502020204030204" pitchFamily="34" charset="0"/>
-              <a:ea typeface="Calibri" panose="020F0502020204030204" pitchFamily="34" charset="0"/>
-              <a:cs typeface="Times New Roman" panose="02020603050405020304" pitchFamily="18" charset="0"/>
-            </a:endParaRPr>
-          </a:p>
-          <a:p>
-            <a:pPr marL="742950" marR="0" lvl="1" indent="-285750">
-              <a:lnSpc>
-                <a:spcPct val="107000"/>
-              </a:lnSpc>
-              <a:spcBef>
-                <a:spcPts val="0"/>
-              </a:spcBef>
-              <a:spcAft>
-                <a:spcPts val="0"/>
-              </a:spcAft>
-              <a:buFont typeface="Courier New" panose="02070309020205020404" pitchFamily="49" charset="0"/>
-              <a:buChar char="o"/>
-            </a:pPr>
-            <a:r>
-              <a:rPr lang="en-US" sz="1600" kern="100" dirty="0">
-                <a:effectLst/>
-                <a:latin typeface="Calibri" panose="020F0502020204030204" pitchFamily="34" charset="0"/>
-                <a:ea typeface="Calibri" panose="020F0502020204030204" pitchFamily="34" charset="0"/>
-                <a:cs typeface="Calibri" panose="020F0502020204030204" pitchFamily="34" charset="0"/>
-              </a:rPr>
-              <a:t>5-10% of the diagnosed diabetes cases</a:t>
-            </a:r>
-            <a:endParaRPr lang="en-US" sz="1600" kern="100" dirty="0">
-              <a:effectLst/>
-              <a:latin typeface="Calibri" panose="020F0502020204030204" pitchFamily="34" charset="0"/>
-              <a:ea typeface="Calibri" panose="020F0502020204030204" pitchFamily="34" charset="0"/>
-              <a:cs typeface="Times New Roman" panose="02020603050405020304" pitchFamily="18" charset="0"/>
-            </a:endParaRPr>
-          </a:p>
-          <a:p>
-            <a:pPr marL="742950" marR="0" lvl="1" indent="-285750">
-              <a:lnSpc>
-                <a:spcPct val="107000"/>
-              </a:lnSpc>
-              <a:spcBef>
-                <a:spcPts val="0"/>
-              </a:spcBef>
-              <a:spcAft>
-                <a:spcPts val="0"/>
-              </a:spcAft>
-              <a:buFont typeface="Courier New" panose="02070309020205020404" pitchFamily="49" charset="0"/>
-              <a:buChar char="o"/>
-            </a:pPr>
-            <a:r>
-              <a:rPr lang="en-US" sz="1600" kern="100" dirty="0">
-                <a:effectLst/>
-                <a:latin typeface="Calibri" panose="020F0502020204030204" pitchFamily="34" charset="0"/>
-                <a:ea typeface="Calibri" panose="020F0502020204030204" pitchFamily="34" charset="0"/>
-                <a:cs typeface="Calibri" panose="020F0502020204030204" pitchFamily="34" charset="0"/>
-              </a:rPr>
-              <a:t>Unknown ways on how to prevent</a:t>
-            </a:r>
-          </a:p>
-          <a:p>
-            <a:pPr marL="742950" marR="0" lvl="1" indent="-285750">
-              <a:lnSpc>
-                <a:spcPct val="107000"/>
-              </a:lnSpc>
-              <a:spcBef>
-                <a:spcPts val="0"/>
-              </a:spcBef>
-              <a:spcAft>
-                <a:spcPts val="0"/>
-              </a:spcAft>
-              <a:buFont typeface="Courier New" panose="02070309020205020404" pitchFamily="49" charset="0"/>
-              <a:buChar char="o"/>
-            </a:pPr>
-            <a:endParaRPr lang="en-US" sz="1600" kern="100" dirty="0">
-              <a:effectLst/>
-              <a:latin typeface="Calibri" panose="020F0502020204030204" pitchFamily="34" charset="0"/>
-              <a:ea typeface="Calibri" panose="020F0502020204030204" pitchFamily="34" charset="0"/>
-              <a:cs typeface="Times New Roman" panose="02020603050405020304" pitchFamily="18" charset="0"/>
-            </a:endParaRPr>
-          </a:p>
-          <a:p>
-            <a:pPr marL="342900" marR="0" lvl="0" indent="-342900">
-              <a:lnSpc>
-                <a:spcPct val="107000"/>
-              </a:lnSpc>
-              <a:spcBef>
-                <a:spcPts val="0"/>
-              </a:spcBef>
-              <a:spcAft>
-                <a:spcPts val="0"/>
-              </a:spcAft>
-              <a:buFont typeface="Symbol" panose="05050102010706020507" pitchFamily="18" charset="2"/>
-              <a:buChar char=""/>
-            </a:pPr>
-            <a:r>
-              <a:rPr lang="en-US" sz="1600" kern="100" dirty="0">
-                <a:effectLst/>
-                <a:latin typeface="Calibri" panose="020F0502020204030204" pitchFamily="34" charset="0"/>
-                <a:ea typeface="Calibri" panose="020F0502020204030204" pitchFamily="34" charset="0"/>
-                <a:cs typeface="Calibri" panose="020F0502020204030204" pitchFamily="34" charset="0"/>
-              </a:rPr>
-              <a:t>2:</a:t>
-            </a:r>
-            <a:endParaRPr lang="en-US" sz="1600" kern="100" dirty="0">
-              <a:effectLst/>
-              <a:latin typeface="Calibri" panose="020F0502020204030204" pitchFamily="34" charset="0"/>
-              <a:ea typeface="Calibri" panose="020F0502020204030204" pitchFamily="34" charset="0"/>
-              <a:cs typeface="Times New Roman" panose="02020603050405020304" pitchFamily="18" charset="0"/>
-            </a:endParaRPr>
-          </a:p>
-          <a:p>
-            <a:pPr marL="742950" marR="0" lvl="1" indent="-285750">
-              <a:lnSpc>
-                <a:spcPct val="107000"/>
-              </a:lnSpc>
-              <a:spcBef>
-                <a:spcPts val="0"/>
-              </a:spcBef>
-              <a:spcAft>
-                <a:spcPts val="0"/>
-              </a:spcAft>
-              <a:buFont typeface="Courier New" panose="02070309020205020404" pitchFamily="49" charset="0"/>
-              <a:buChar char="o"/>
-            </a:pPr>
-            <a:r>
-              <a:rPr lang="en-US" sz="1600" kern="100" dirty="0">
-                <a:effectLst/>
-                <a:latin typeface="Calibri" panose="020F0502020204030204" pitchFamily="34" charset="0"/>
-                <a:ea typeface="Calibri" panose="020F0502020204030204" pitchFamily="34" charset="0"/>
-                <a:cs typeface="Calibri" panose="020F0502020204030204" pitchFamily="34" charset="0"/>
-              </a:rPr>
-              <a:t>Body unable to use insulin well</a:t>
-            </a:r>
-            <a:endParaRPr lang="en-US" sz="1600" kern="100" dirty="0">
-              <a:effectLst/>
-              <a:latin typeface="Calibri" panose="020F0502020204030204" pitchFamily="34" charset="0"/>
-              <a:ea typeface="Calibri" panose="020F0502020204030204" pitchFamily="34" charset="0"/>
-              <a:cs typeface="Times New Roman" panose="02020603050405020304" pitchFamily="18" charset="0"/>
-            </a:endParaRPr>
-          </a:p>
-          <a:p>
-            <a:pPr marL="1143000" marR="0" lvl="2" indent="-228600">
-              <a:lnSpc>
-                <a:spcPct val="107000"/>
-              </a:lnSpc>
-              <a:spcBef>
-                <a:spcPts val="0"/>
-              </a:spcBef>
-              <a:spcAft>
-                <a:spcPts val="0"/>
-              </a:spcAft>
-              <a:buFont typeface="Wingdings" panose="05000000000000000000" pitchFamily="2" charset="2"/>
-              <a:buChar char=""/>
-            </a:pPr>
-            <a:r>
-              <a:rPr lang="en-US" sz="1600" kern="100" dirty="0">
-                <a:effectLst/>
-                <a:latin typeface="Calibri" panose="020F0502020204030204" pitchFamily="34" charset="0"/>
-                <a:ea typeface="Calibri" panose="020F0502020204030204" pitchFamily="34" charset="0"/>
-                <a:cs typeface="Calibri" panose="020F0502020204030204" pitchFamily="34" charset="0"/>
-              </a:rPr>
-              <a:t>Results in the abnormal blood sugar levels</a:t>
-            </a:r>
-            <a:endParaRPr lang="en-US" sz="1600" kern="100" dirty="0">
-              <a:effectLst/>
-              <a:latin typeface="Calibri" panose="020F0502020204030204" pitchFamily="34" charset="0"/>
-              <a:ea typeface="Calibri" panose="020F0502020204030204" pitchFamily="34" charset="0"/>
-              <a:cs typeface="Times New Roman" panose="02020603050405020304" pitchFamily="18" charset="0"/>
-            </a:endParaRPr>
-          </a:p>
-          <a:p>
-            <a:pPr marL="742950" marR="0" lvl="1" indent="-285750">
-              <a:lnSpc>
-                <a:spcPct val="107000"/>
-              </a:lnSpc>
-              <a:spcBef>
-                <a:spcPts val="0"/>
-              </a:spcBef>
-              <a:spcAft>
-                <a:spcPts val="0"/>
-              </a:spcAft>
-              <a:buFont typeface="Courier New" panose="02070309020205020404" pitchFamily="49" charset="0"/>
-              <a:buChar char="o"/>
-            </a:pPr>
-            <a:r>
-              <a:rPr lang="en-US" sz="1600" kern="100" dirty="0">
-                <a:effectLst/>
-                <a:latin typeface="Calibri" panose="020F0502020204030204" pitchFamily="34" charset="0"/>
-                <a:ea typeface="Calibri" panose="020F0502020204030204" pitchFamily="34" charset="0"/>
-                <a:cs typeface="Calibri" panose="020F0502020204030204" pitchFamily="34" charset="0"/>
-              </a:rPr>
-              <a:t>90-95% of diabetes cases</a:t>
-            </a:r>
-            <a:endParaRPr lang="en-US" sz="1600" kern="100" dirty="0">
-              <a:effectLst/>
-              <a:latin typeface="Calibri" panose="020F0502020204030204" pitchFamily="34" charset="0"/>
-              <a:ea typeface="Calibri" panose="020F0502020204030204" pitchFamily="34" charset="0"/>
-              <a:cs typeface="Times New Roman" panose="02020603050405020304" pitchFamily="18" charset="0"/>
-            </a:endParaRPr>
-          </a:p>
-          <a:p>
-            <a:pPr marL="742950" marR="0" lvl="1" indent="-285750">
-              <a:lnSpc>
-                <a:spcPct val="107000"/>
-              </a:lnSpc>
-              <a:spcBef>
-                <a:spcPts val="0"/>
-              </a:spcBef>
-              <a:spcAft>
-                <a:spcPts val="0"/>
-              </a:spcAft>
-              <a:buFont typeface="Courier New" panose="02070309020205020404" pitchFamily="49" charset="0"/>
-              <a:buChar char="o"/>
-            </a:pPr>
-            <a:r>
-              <a:rPr lang="en-US" sz="1600" kern="100" dirty="0">
-                <a:effectLst/>
-                <a:latin typeface="Calibri" panose="020F0502020204030204" pitchFamily="34" charset="0"/>
-                <a:ea typeface="Calibri" panose="020F0502020204030204" pitchFamily="34" charset="0"/>
-                <a:cs typeface="Calibri" panose="020F0502020204030204" pitchFamily="34" charset="0"/>
-              </a:rPr>
-              <a:t>Preventable or treatable:</a:t>
-            </a:r>
-            <a:endParaRPr lang="en-US" sz="1600" kern="100" dirty="0">
-              <a:effectLst/>
-              <a:latin typeface="Calibri" panose="020F0502020204030204" pitchFamily="34" charset="0"/>
-              <a:ea typeface="Calibri" panose="020F0502020204030204" pitchFamily="34" charset="0"/>
-              <a:cs typeface="Times New Roman" panose="02020603050405020304" pitchFamily="18" charset="0"/>
-            </a:endParaRPr>
-          </a:p>
-          <a:p>
-            <a:pPr marL="1143000" marR="0" lvl="2" indent="-228600">
-              <a:lnSpc>
-                <a:spcPct val="107000"/>
-              </a:lnSpc>
-              <a:spcBef>
-                <a:spcPts val="0"/>
-              </a:spcBef>
-              <a:spcAft>
-                <a:spcPts val="0"/>
-              </a:spcAft>
-              <a:buFont typeface="Wingdings" panose="05000000000000000000" pitchFamily="2" charset="2"/>
-              <a:buChar char=""/>
-            </a:pPr>
-            <a:r>
-              <a:rPr lang="en-US" sz="1600" kern="100" dirty="0">
-                <a:effectLst/>
-                <a:latin typeface="Calibri" panose="020F0502020204030204" pitchFamily="34" charset="0"/>
-                <a:ea typeface="Calibri" panose="020F0502020204030204" pitchFamily="34" charset="0"/>
-                <a:cs typeface="Calibri" panose="020F0502020204030204" pitchFamily="34" charset="0"/>
-              </a:rPr>
-              <a:t>diet </a:t>
-            </a:r>
-            <a:endParaRPr lang="en-US" sz="1600" kern="100" dirty="0">
-              <a:effectLst/>
-              <a:latin typeface="Calibri" panose="020F0502020204030204" pitchFamily="34" charset="0"/>
-              <a:ea typeface="Calibri" panose="020F0502020204030204" pitchFamily="34" charset="0"/>
-              <a:cs typeface="Times New Roman" panose="02020603050405020304" pitchFamily="18" charset="0"/>
-            </a:endParaRPr>
-          </a:p>
-          <a:p>
-            <a:pPr marL="1143000" marR="0" lvl="2" indent="-228600">
-              <a:lnSpc>
-                <a:spcPct val="107000"/>
-              </a:lnSpc>
-              <a:spcBef>
-                <a:spcPts val="0"/>
-              </a:spcBef>
-              <a:spcAft>
-                <a:spcPts val="800"/>
-              </a:spcAft>
-              <a:buFont typeface="Wingdings" panose="05000000000000000000" pitchFamily="2" charset="2"/>
-              <a:buChar char=""/>
-            </a:pPr>
-            <a:r>
-              <a:rPr lang="en-US" sz="1600" kern="100" dirty="0">
-                <a:effectLst/>
-                <a:latin typeface="Calibri" panose="020F0502020204030204" pitchFamily="34" charset="0"/>
-                <a:ea typeface="Calibri" panose="020F0502020204030204" pitchFamily="34" charset="0"/>
-                <a:cs typeface="Calibri" panose="020F0502020204030204" pitchFamily="34" charset="0"/>
-              </a:rPr>
-              <a:t>exercise</a:t>
-            </a:r>
-            <a:endParaRPr lang="en-US" sz="1600" kern="100" dirty="0">
-              <a:effectLst/>
-              <a:latin typeface="Calibri" panose="020F0502020204030204" pitchFamily="34" charset="0"/>
-              <a:ea typeface="Calibri" panose="020F0502020204030204" pitchFamily="34" charset="0"/>
-              <a:cs typeface="Times New Roman" panose="02020603050405020304" pitchFamily="18" charset="0"/>
-            </a:endParaRPr>
-          </a:p>
-          <a:p>
-            <a:endParaRPr lang="en-US" dirty="0"/>
-          </a:p>
-        </p:txBody>
-      </p:sp>
-    </p:spTree>
-    <p:extLst>
-      <p:ext uri="{BB962C8B-B14F-4D97-AF65-F5344CB8AC3E}">
-        <p14:creationId xmlns:p14="http://schemas.microsoft.com/office/powerpoint/2010/main" val="597308155"/>
-      </p:ext>
-    </p:extLst>
-  </p:cSld>
-  <p:clrMapOvr>
-    <a:masterClrMapping/>
-  </p:clrMapOvr>
-</p:sld>
-</file>
-
-<file path=ppt/slides/slide6.xml><?xml version="1.0" encoding="utf-8"?>
+<file path=ppt/slides/slide4.xml><?xml version="1.0" encoding="utf-8"?>
 <p:sld xmlns:a="http://schemas.openxmlformats.org/drawingml/2006/main" xmlns:r="http://schemas.openxmlformats.org/officeDocument/2006/relationships" xmlns:p="http://schemas.openxmlformats.org/presentationml/2006/main">
   <p:cSld>
     <p:spTree>
